--- a/AutoCAD Eagle PCB Design Workshop.pptx
+++ b/AutoCAD Eagle PCB Design Workshop.pptx
@@ -126,6 +126,11 @@
       </a:defRPr>
     </a:lvl9pPr>
   </p:defaultTextStyle>
+  <p:extLst>
+    <p:ext uri="{EFAFB233-063F-42B5-8137-9DF3F51BA10A}">
+      <p15:sldGuideLst xmlns:p15="http://schemas.microsoft.com/office/powerpoint/2012/main"/>
+    </p:ext>
+  </p:extLst>
 </p:presentation>
 </file>
 
@@ -276,7 +281,7 @@
           <a:p>
             <a:fld id="{5B8EC1DD-F48D-4E7B-BA38-F4D2CE599FA9}" type="datetimeFigureOut">
               <a:rPr lang="en-US" smtClean="0"/>
-              <a:t>4/4/2019</a:t>
+              <a:t>1/26/2020</a:t>
             </a:fld>
             <a:endParaRPr lang="en-US"/>
           </a:p>
@@ -474,7 +479,7 @@
           <a:p>
             <a:fld id="{5B8EC1DD-F48D-4E7B-BA38-F4D2CE599FA9}" type="datetimeFigureOut">
               <a:rPr lang="en-US" smtClean="0"/>
-              <a:t>4/4/2019</a:t>
+              <a:t>1/26/2020</a:t>
             </a:fld>
             <a:endParaRPr lang="en-US"/>
           </a:p>
@@ -682,7 +687,7 @@
           <a:p>
             <a:fld id="{5B8EC1DD-F48D-4E7B-BA38-F4D2CE599FA9}" type="datetimeFigureOut">
               <a:rPr lang="en-US" smtClean="0"/>
-              <a:t>4/4/2019</a:t>
+              <a:t>1/26/2020</a:t>
             </a:fld>
             <a:endParaRPr lang="en-US"/>
           </a:p>
@@ -880,7 +885,7 @@
           <a:p>
             <a:fld id="{5B8EC1DD-F48D-4E7B-BA38-F4D2CE599FA9}" type="datetimeFigureOut">
               <a:rPr lang="en-US" smtClean="0"/>
-              <a:t>4/4/2019</a:t>
+              <a:t>1/26/2020</a:t>
             </a:fld>
             <a:endParaRPr lang="en-US"/>
           </a:p>
@@ -1155,7 +1160,7 @@
           <a:p>
             <a:fld id="{5B8EC1DD-F48D-4E7B-BA38-F4D2CE599FA9}" type="datetimeFigureOut">
               <a:rPr lang="en-US" smtClean="0"/>
-              <a:t>4/4/2019</a:t>
+              <a:t>1/26/2020</a:t>
             </a:fld>
             <a:endParaRPr lang="en-US"/>
           </a:p>
@@ -1420,7 +1425,7 @@
           <a:p>
             <a:fld id="{5B8EC1DD-F48D-4E7B-BA38-F4D2CE599FA9}" type="datetimeFigureOut">
               <a:rPr lang="en-US" smtClean="0"/>
-              <a:t>4/4/2019</a:t>
+              <a:t>1/26/2020</a:t>
             </a:fld>
             <a:endParaRPr lang="en-US"/>
           </a:p>
@@ -1832,7 +1837,7 @@
           <a:p>
             <a:fld id="{5B8EC1DD-F48D-4E7B-BA38-F4D2CE599FA9}" type="datetimeFigureOut">
               <a:rPr lang="en-US" smtClean="0"/>
-              <a:t>4/4/2019</a:t>
+              <a:t>1/26/2020</a:t>
             </a:fld>
             <a:endParaRPr lang="en-US"/>
           </a:p>
@@ -1973,7 +1978,7 @@
           <a:p>
             <a:fld id="{5B8EC1DD-F48D-4E7B-BA38-F4D2CE599FA9}" type="datetimeFigureOut">
               <a:rPr lang="en-US" smtClean="0"/>
-              <a:t>4/4/2019</a:t>
+              <a:t>1/26/2020</a:t>
             </a:fld>
             <a:endParaRPr lang="en-US"/>
           </a:p>
@@ -2086,7 +2091,7 @@
           <a:p>
             <a:fld id="{5B8EC1DD-F48D-4E7B-BA38-F4D2CE599FA9}" type="datetimeFigureOut">
               <a:rPr lang="en-US" smtClean="0"/>
-              <a:t>4/4/2019</a:t>
+              <a:t>1/26/2020</a:t>
             </a:fld>
             <a:endParaRPr lang="en-US"/>
           </a:p>
@@ -2397,7 +2402,7 @@
           <a:p>
             <a:fld id="{5B8EC1DD-F48D-4E7B-BA38-F4D2CE599FA9}" type="datetimeFigureOut">
               <a:rPr lang="en-US" smtClean="0"/>
-              <a:t>4/4/2019</a:t>
+              <a:t>1/26/2020</a:t>
             </a:fld>
             <a:endParaRPr lang="en-US"/>
           </a:p>
@@ -2685,7 +2690,7 @@
           <a:p>
             <a:fld id="{5B8EC1DD-F48D-4E7B-BA38-F4D2CE599FA9}" type="datetimeFigureOut">
               <a:rPr lang="en-US" smtClean="0"/>
-              <a:t>4/4/2019</a:t>
+              <a:t>1/26/2020</a:t>
             </a:fld>
             <a:endParaRPr lang="en-US"/>
           </a:p>
@@ -2926,7 +2931,7 @@
           <a:p>
             <a:fld id="{5B8EC1DD-F48D-4E7B-BA38-F4D2CE599FA9}" type="datetimeFigureOut">
               <a:rPr lang="en-US" smtClean="0"/>
-              <a:t>4/4/2019</a:t>
+              <a:t>1/26/2020</a:t>
             </a:fld>
             <a:endParaRPr lang="en-US"/>
           </a:p>
@@ -3406,19 +3411,15 @@
           <a:p>
             <a:r>
               <a:rPr lang="en-US" dirty="0"/>
-              <a:t>All Credit to Dr. Mohamed Salem</a:t>
-            </a:r>
-          </a:p>
-          <a:p>
-            <a:r>
-              <a:rPr lang="en-US" dirty="0"/>
-              <a:t>David House</a:t>
-            </a:r>
-          </a:p>
-          <a:p>
-            <a:r>
-              <a:rPr lang="en-US" dirty="0"/>
-              <a:t>David Story</a:t>
+              <a:t>David House, David Story, Joseph </a:t>
+            </a:r>
+            <a:r>
+              <a:rPr lang="en-US" dirty="0" err="1"/>
+              <a:t>Haun</a:t>
+            </a:r>
+            <a:r>
+              <a:rPr lang="en-US" dirty="0"/>
+              <a:t>, Adam Ortega</a:t>
             </a:r>
           </a:p>
         </p:txBody>
